--- a/ClassMaterials/ProgramsAboutSlists/08-ProgramsAboutSlists.pptx
+++ b/ClassMaterials/ProgramsAboutSlists/08-ProgramsAboutSlists.pptx
@@ -161,6 +161,65 @@
     </p:ext>
   </p:extLst>
 </p:presentation>
+</file>
+
+<file path=ppt/changesInfos/changesInfo1.xml><?xml version="1.0" encoding="utf-8"?>
+<pc:chgInfo xmlns:a="http://schemas.openxmlformats.org/drawingml/2006/main" xmlns:r="http://schemas.openxmlformats.org/officeDocument/2006/relationships" xmlns:ac="http://schemas.microsoft.com/office/drawing/2013/main/command" xmlns:pc="http://schemas.microsoft.com/office/powerpoint/2013/main/command">
+  <pc:docChgLst>
+    <pc:chgData name="Hewner, Mike" userId="7f3f83dd-6dfb-4127-a87f-c1714bd4fac9" providerId="ADAL" clId="{0759EFC5-DC3A-42BC-AE83-920ED47B7FCD}"/>
+    <pc:docChg chg="custSel modSld">
+      <pc:chgData name="Hewner, Mike" userId="7f3f83dd-6dfb-4127-a87f-c1714bd4fac9" providerId="ADAL" clId="{0759EFC5-DC3A-42BC-AE83-920ED47B7FCD}" dt="2021-09-14T12:26:17.645" v="40" actId="20577"/>
+      <pc:docMkLst>
+        <pc:docMk/>
+      </pc:docMkLst>
+      <pc:sldChg chg="modSp mod">
+        <pc:chgData name="Hewner, Mike" userId="7f3f83dd-6dfb-4127-a87f-c1714bd4fac9" providerId="ADAL" clId="{0759EFC5-DC3A-42BC-AE83-920ED47B7FCD}" dt="2021-09-14T12:26:17.645" v="40" actId="20577"/>
+        <pc:sldMkLst>
+          <pc:docMk/>
+          <pc:sldMk cId="0" sldId="257"/>
+        </pc:sldMkLst>
+        <pc:spChg chg="mod">
+          <ac:chgData name="Hewner, Mike" userId="7f3f83dd-6dfb-4127-a87f-c1714bd4fac9" providerId="ADAL" clId="{0759EFC5-DC3A-42BC-AE83-920ED47B7FCD}" dt="2021-09-14T12:26:17.645" v="40" actId="20577"/>
+          <ac:spMkLst>
+            <pc:docMk/>
+            <pc:sldMk cId="0" sldId="257"/>
+            <ac:spMk id="363523" creationId="{00000000-0000-0000-0000-000000000000}"/>
+          </ac:spMkLst>
+        </pc:spChg>
+      </pc:sldChg>
+      <pc:sldChg chg="delSp mod">
+        <pc:chgData name="Hewner, Mike" userId="7f3f83dd-6dfb-4127-a87f-c1714bd4fac9" providerId="ADAL" clId="{0759EFC5-DC3A-42BC-AE83-920ED47B7FCD}" dt="2021-09-14T12:25:30.149" v="23" actId="478"/>
+        <pc:sldMkLst>
+          <pc:docMk/>
+          <pc:sldMk cId="34138197" sldId="370"/>
+        </pc:sldMkLst>
+        <pc:spChg chg="del">
+          <ac:chgData name="Hewner, Mike" userId="7f3f83dd-6dfb-4127-a87f-c1714bd4fac9" providerId="ADAL" clId="{0759EFC5-DC3A-42BC-AE83-920ED47B7FCD}" dt="2021-09-14T12:25:30.149" v="23" actId="478"/>
+          <ac:spMkLst>
+            <pc:docMk/>
+            <pc:sldMk cId="34138197" sldId="370"/>
+            <ac:spMk id="2" creationId="{A272ADA7-7FCA-4CCB-B5AF-1EA69011B862}"/>
+          </ac:spMkLst>
+        </pc:spChg>
+      </pc:sldChg>
+      <pc:sldChg chg="modSp mod">
+        <pc:chgData name="Hewner, Mike" userId="7f3f83dd-6dfb-4127-a87f-c1714bd4fac9" providerId="ADAL" clId="{0759EFC5-DC3A-42BC-AE83-920ED47B7FCD}" dt="2021-09-14T12:20:50.380" v="22" actId="20577"/>
+        <pc:sldMkLst>
+          <pc:docMk/>
+          <pc:sldMk cId="1586352250" sldId="408"/>
+        </pc:sldMkLst>
+        <pc:spChg chg="mod">
+          <ac:chgData name="Hewner, Mike" userId="7f3f83dd-6dfb-4127-a87f-c1714bd4fac9" providerId="ADAL" clId="{0759EFC5-DC3A-42BC-AE83-920ED47B7FCD}" dt="2021-09-14T12:20:50.380" v="22" actId="20577"/>
+          <ac:spMkLst>
+            <pc:docMk/>
+            <pc:sldMk cId="1586352250" sldId="408"/>
+            <ac:spMk id="3" creationId="{F99B23E9-4267-4428-8C37-E66883585688}"/>
+          </ac:spMkLst>
+        </pc:spChg>
+      </pc:sldChg>
+    </pc:docChg>
+  </pc:docChgLst>
+</pc:chgInfo>
 </file>
 
 <file path=ppt/handoutMasters/handoutMaster1.xml><?xml version="1.0" encoding="utf-8"?>
@@ -6347,7 +6406,7 @@
                   <a:srgbClr val="00B050"/>
                 </a:solidFill>
               </a:rPr>
-              <a:t>You may want to copy the starting code from the Live-in-class folder, Day 07.</a:t>
+              <a:t>You may want to copy the starting code from the class folder</a:t>
             </a:r>
           </a:p>
           <a:p>
@@ -6791,7 +6850,7 @@
           <a:p>
             <a:r>
               <a:rPr lang="en-US" sz="2800" dirty="0"/>
-              <a:t>Monday, Dec 21, 6:30-9:000 PM.</a:t>
+              <a:t>Friday, Sept 24, 8:00-10:30 PM.</a:t>
             </a:r>
           </a:p>
           <a:p>
@@ -6816,12 +6875,6 @@
             <a:r>
               <a:rPr lang="en-US" sz="2800" dirty="0"/>
               <a:t>Most of the emphasis will be on A6-9.</a:t>
-            </a:r>
-          </a:p>
-          <a:p>
-            <a:r>
-              <a:rPr lang="en-US" sz="2800" dirty="0"/>
-              <a:t>Joanna plans to conduct a remote review session sometime next weekend.  </a:t>
             </a:r>
           </a:p>
         </p:txBody>
@@ -7283,45 +7336,6 @@
               </a:spcBef>
             </a:pPr>
             <a:endParaRPr lang="en-US" kern="0" dirty="0"/>
-          </a:p>
-        </p:txBody>
-      </p:sp>
-      <p:sp>
-        <p:nvSpPr>
-          <p:cNvPr id="2" name="TextBox 1">
-            <a:extLst>
-              <a:ext uri="{FF2B5EF4-FFF2-40B4-BE49-F238E27FC236}">
-                <a16:creationId xmlns:a16="http://schemas.microsoft.com/office/drawing/2014/main" id="{A272ADA7-7FCA-4CCB-B5AF-1EA69011B862}"/>
-              </a:ext>
-            </a:extLst>
-          </p:cNvPr>
-          <p:cNvSpPr txBox="1"/>
-          <p:nvPr/>
-        </p:nvSpPr>
-        <p:spPr>
-          <a:xfrm>
-            <a:off x="7772400" y="1143001"/>
-            <a:ext cx="2743200" cy="1938992"/>
-          </a:xfrm>
-          <a:prstGeom prst="rect">
-            <a:avLst/>
-          </a:prstGeom>
-          <a:noFill/>
-        </p:spPr>
-        <p:txBody>
-          <a:bodyPr wrap="square" rtlCol="0">
-            <a:spAutoFit/>
-          </a:bodyPr>
-          <a:lstStyle/>
-          <a:p>
-            <a:r>
-              <a:rPr lang="en-US" sz="2400" b="1" dirty="0">
-                <a:solidFill>
-                  <a:srgbClr val="FFFF00"/>
-                </a:solidFill>
-              </a:rPr>
-              <a:t>We will do most of these (maybe all of them) during the next class meeting.</a:t>
-            </a:r>
           </a:p>
         </p:txBody>
       </p:sp>

--- a/ClassMaterials/ProgramsAboutSlists/08-ProgramsAboutSlists.pptx
+++ b/ClassMaterials/ProgramsAboutSlists/08-ProgramsAboutSlists.pptx
@@ -168,7 +168,7 @@
   <pc:docChgLst>
     <pc:chgData name="Hewner, Mike" userId="7f3f83dd-6dfb-4127-a87f-c1714bd4fac9" providerId="ADAL" clId="{0759EFC5-DC3A-42BC-AE83-920ED47B7FCD}"/>
     <pc:docChg chg="custSel modSld">
-      <pc:chgData name="Hewner, Mike" userId="7f3f83dd-6dfb-4127-a87f-c1714bd4fac9" providerId="ADAL" clId="{0759EFC5-DC3A-42BC-AE83-920ED47B7FCD}" dt="2021-09-14T12:26:17.645" v="40" actId="20577"/>
+      <pc:chgData name="Hewner, Mike" userId="7f3f83dd-6dfb-4127-a87f-c1714bd4fac9" providerId="ADAL" clId="{0759EFC5-DC3A-42BC-AE83-920ED47B7FCD}" dt="2021-09-14T19:05:44.997" v="52" actId="20577"/>
       <pc:docMkLst>
         <pc:docMk/>
       </pc:docMkLst>
@@ -203,13 +203,13 @@
         </pc:spChg>
       </pc:sldChg>
       <pc:sldChg chg="modSp mod">
-        <pc:chgData name="Hewner, Mike" userId="7f3f83dd-6dfb-4127-a87f-c1714bd4fac9" providerId="ADAL" clId="{0759EFC5-DC3A-42BC-AE83-920ED47B7FCD}" dt="2021-09-14T12:20:50.380" v="22" actId="20577"/>
+        <pc:chgData name="Hewner, Mike" userId="7f3f83dd-6dfb-4127-a87f-c1714bd4fac9" providerId="ADAL" clId="{0759EFC5-DC3A-42BC-AE83-920ED47B7FCD}" dt="2021-09-14T19:05:44.997" v="52" actId="20577"/>
         <pc:sldMkLst>
           <pc:docMk/>
           <pc:sldMk cId="1586352250" sldId="408"/>
         </pc:sldMkLst>
         <pc:spChg chg="mod">
-          <ac:chgData name="Hewner, Mike" userId="7f3f83dd-6dfb-4127-a87f-c1714bd4fac9" providerId="ADAL" clId="{0759EFC5-DC3A-42BC-AE83-920ED47B7FCD}" dt="2021-09-14T12:20:50.380" v="22" actId="20577"/>
+          <ac:chgData name="Hewner, Mike" userId="7f3f83dd-6dfb-4127-a87f-c1714bd4fac9" providerId="ADAL" clId="{0759EFC5-DC3A-42BC-AE83-920ED47B7FCD}" dt="2021-09-14T19:05:44.997" v="52" actId="20577"/>
           <ac:spMkLst>
             <pc:docMk/>
             <pc:sldMk cId="1586352250" sldId="408"/>
@@ -6856,7 +6856,15 @@
           <a:p>
             <a:r>
               <a:rPr lang="en-US" sz="2800" dirty="0"/>
-              <a:t>1. “Written” part on Moodle.  Closed book, notes, etc.  25-40%</a:t>
+              <a:t>1</a:t>
+            </a:r>
+            <a:r>
+              <a:rPr lang="en-US" sz="2800"/>
+              <a:t>. Written </a:t>
+            </a:r>
+            <a:r>
+              <a:rPr lang="en-US" sz="2800" dirty="0"/>
+              <a:t>part.  Closed book, notes, etc.  25-40%</a:t>
             </a:r>
           </a:p>
           <a:p>
